--- a/présentation finale.pptx
+++ b/présentation finale.pptx
@@ -10062,12 +10062,14 @@
         </p:nvSpPr>
         <p:spPr>
           <a:xfrm>
-            <a:off x="2589212" y="2133600"/>
-            <a:ext cx="8915400" cy="4594746"/>
+            <a:off x="1754373" y="1905000"/>
+            <a:ext cx="9845748" cy="4070498"/>
           </a:xfrm>
         </p:spPr>
         <p:txBody>
-          <a:bodyPr/>
+          <a:bodyPr>
+            <a:normAutofit/>
+          </a:bodyPr>
           <a:lstStyle/>
           <a:p>
             <a:pPr algn="just">
@@ -10244,19 +10246,6 @@
               </a:rPr>
               <a:t> </a:t>
             </a:r>
-            <a:endParaRPr lang="fr-FR" sz="1800" kern="150" dirty="0">
-              <a:effectLst/>
-              <a:latin typeface="Times New Roman" panose="02020603050405020304" pitchFamily="18" charset="0"/>
-              <a:ea typeface="SimSun" panose="02010600030101010101" pitchFamily="2" charset="-122"/>
-              <a:cs typeface="Lucida Sans" panose="020B0602030504020204" pitchFamily="34" charset="0"/>
-            </a:endParaRPr>
-          </a:p>
-          <a:p>
-            <a:pPr>
-              <a:spcAft>
-                <a:spcPts val="600"/>
-              </a:spcAft>
-            </a:pPr>
             <a:r>
               <a:rPr lang="fr-FR" sz="1800" kern="150" dirty="0">
                 <a:solidFill>
@@ -10368,6 +10357,235 @@
             </a:r>
           </a:p>
           <a:p>
+            <a:r>
+              <a:rPr lang="de-DE" u="sng" kern="150" dirty="0">
+                <a:solidFill>
+                  <a:srgbClr val="000000"/>
+                </a:solidFill>
+                <a:latin typeface="Calibri" panose="020F0502020204030204" pitchFamily="34" charset="0"/>
+                <a:ea typeface="SimSun" panose="02010600030101010101" pitchFamily="2" charset="-122"/>
+                <a:cs typeface="Lucida Sans" panose="020B0602030504020204" pitchFamily="34" charset="0"/>
+              </a:rPr>
+              <a:t>Green, D. G., S. </a:t>
+            </a:r>
+            <a:r>
+              <a:rPr lang="de-DE" u="sng" kern="150" dirty="0" err="1">
+                <a:solidFill>
+                  <a:srgbClr val="000000"/>
+                </a:solidFill>
+                <a:latin typeface="Calibri" panose="020F0502020204030204" pitchFamily="34" charset="0"/>
+                <a:ea typeface="SimSun" panose="02010600030101010101" pitchFamily="2" charset="-122"/>
+                <a:cs typeface="Lucida Sans" panose="020B0602030504020204" pitchFamily="34" charset="0"/>
+              </a:rPr>
+              <a:t>Sadedin</a:t>
+            </a:r>
+            <a:r>
+              <a:rPr lang="de-DE" u="sng" kern="150" dirty="0">
+                <a:solidFill>
+                  <a:srgbClr val="000000"/>
+                </a:solidFill>
+                <a:latin typeface="Calibri" panose="020F0502020204030204" pitchFamily="34" charset="0"/>
+                <a:ea typeface="SimSun" panose="02010600030101010101" pitchFamily="2" charset="-122"/>
+                <a:cs typeface="Lucida Sans" panose="020B0602030504020204" pitchFamily="34" charset="0"/>
+              </a:rPr>
+              <a:t>, et T. G. </a:t>
+            </a:r>
+            <a:r>
+              <a:rPr lang="de-DE" u="sng" kern="150" dirty="0" err="1">
+                <a:solidFill>
+                  <a:srgbClr val="000000"/>
+                </a:solidFill>
+                <a:latin typeface="Calibri" panose="020F0502020204030204" pitchFamily="34" charset="0"/>
+                <a:ea typeface="SimSun" panose="02010600030101010101" pitchFamily="2" charset="-122"/>
+                <a:cs typeface="Lucida Sans" panose="020B0602030504020204" pitchFamily="34" charset="0"/>
+              </a:rPr>
+              <a:t>Leishman</a:t>
+            </a:r>
+            <a:r>
+              <a:rPr lang="de-DE" u="sng" kern="150" dirty="0">
+                <a:solidFill>
+                  <a:srgbClr val="000000"/>
+                </a:solidFill>
+                <a:latin typeface="Calibri" panose="020F0502020204030204" pitchFamily="34" charset="0"/>
+                <a:ea typeface="SimSun" panose="02010600030101010101" pitchFamily="2" charset="-122"/>
+                <a:cs typeface="Lucida Sans" panose="020B0602030504020204" pitchFamily="34" charset="0"/>
+              </a:rPr>
+              <a:t>. </a:t>
+            </a:r>
+            <a:r>
+              <a:rPr lang="fr-FR" u="sng" kern="150" dirty="0">
+                <a:solidFill>
+                  <a:srgbClr val="000000"/>
+                </a:solidFill>
+                <a:latin typeface="Calibri" panose="020F0502020204030204" pitchFamily="34" charset="0"/>
+                <a:ea typeface="SimSun" panose="02010600030101010101" pitchFamily="2" charset="-122"/>
+                <a:cs typeface="Lucida Sans" panose="020B0602030504020204" pitchFamily="34" charset="0"/>
+              </a:rPr>
+              <a:t>« Self-</a:t>
+            </a:r>
+            <a:r>
+              <a:rPr lang="fr-FR" u="sng" kern="150" dirty="0" err="1">
+                <a:solidFill>
+                  <a:srgbClr val="000000"/>
+                </a:solidFill>
+                <a:latin typeface="Calibri" panose="020F0502020204030204" pitchFamily="34" charset="0"/>
+                <a:ea typeface="SimSun" panose="02010600030101010101" pitchFamily="2" charset="-122"/>
+                <a:cs typeface="Lucida Sans" panose="020B0602030504020204" pitchFamily="34" charset="0"/>
+              </a:rPr>
+              <a:t>Organization</a:t>
+            </a:r>
+            <a:r>
+              <a:rPr lang="fr-FR" u="sng" kern="150" dirty="0">
+                <a:solidFill>
+                  <a:srgbClr val="000000"/>
+                </a:solidFill>
+                <a:latin typeface="Calibri" panose="020F0502020204030204" pitchFamily="34" charset="0"/>
+                <a:ea typeface="SimSun" panose="02010600030101010101" pitchFamily="2" charset="-122"/>
+                <a:cs typeface="Lucida Sans" panose="020B0602030504020204" pitchFamily="34" charset="0"/>
+              </a:rPr>
+              <a:t> ». In </a:t>
+            </a:r>
+            <a:r>
+              <a:rPr lang="fr-FR" i="1" u="sng" kern="150" dirty="0" err="1">
+                <a:solidFill>
+                  <a:srgbClr val="000000"/>
+                </a:solidFill>
+                <a:latin typeface="Calibri" panose="020F0502020204030204" pitchFamily="34" charset="0"/>
+                <a:ea typeface="SimSun" panose="02010600030101010101" pitchFamily="2" charset="-122"/>
+                <a:cs typeface="Lucida Sans" panose="020B0602030504020204" pitchFamily="34" charset="0"/>
+              </a:rPr>
+              <a:t>Encyclopedia</a:t>
+            </a:r>
+            <a:r>
+              <a:rPr lang="fr-FR" i="1" u="sng" kern="150" dirty="0">
+                <a:solidFill>
+                  <a:srgbClr val="000000"/>
+                </a:solidFill>
+                <a:latin typeface="Calibri" panose="020F0502020204030204" pitchFamily="34" charset="0"/>
+                <a:ea typeface="SimSun" panose="02010600030101010101" pitchFamily="2" charset="-122"/>
+                <a:cs typeface="Lucida Sans" panose="020B0602030504020204" pitchFamily="34" charset="0"/>
+              </a:rPr>
+              <a:t> of </a:t>
+            </a:r>
+            <a:r>
+              <a:rPr lang="fr-FR" i="1" u="sng" kern="150" dirty="0" err="1">
+                <a:solidFill>
+                  <a:srgbClr val="000000"/>
+                </a:solidFill>
+                <a:latin typeface="Calibri" panose="020F0502020204030204" pitchFamily="34" charset="0"/>
+                <a:ea typeface="SimSun" panose="02010600030101010101" pitchFamily="2" charset="-122"/>
+                <a:cs typeface="Lucida Sans" panose="020B0602030504020204" pitchFamily="34" charset="0"/>
+              </a:rPr>
+              <a:t>Ecology</a:t>
+            </a:r>
+            <a:r>
+              <a:rPr lang="fr-FR" u="sng" kern="150" dirty="0">
+                <a:solidFill>
+                  <a:srgbClr val="000000"/>
+                </a:solidFill>
+                <a:latin typeface="Calibri" panose="020F0502020204030204" pitchFamily="34" charset="0"/>
+                <a:ea typeface="SimSun" panose="02010600030101010101" pitchFamily="2" charset="-122"/>
+                <a:cs typeface="Lucida Sans" panose="020B0602030504020204" pitchFamily="34" charset="0"/>
+              </a:rPr>
+              <a:t>, édité par Sven Erik </a:t>
+            </a:r>
+            <a:r>
+              <a:rPr lang="fr-FR" u="sng" kern="150" dirty="0" err="1">
+                <a:solidFill>
+                  <a:srgbClr val="000000"/>
+                </a:solidFill>
+                <a:latin typeface="Calibri" panose="020F0502020204030204" pitchFamily="34" charset="0"/>
+                <a:ea typeface="SimSun" panose="02010600030101010101" pitchFamily="2" charset="-122"/>
+                <a:cs typeface="Lucida Sans" panose="020B0602030504020204" pitchFamily="34" charset="0"/>
+              </a:rPr>
+              <a:t>Jørgensen</a:t>
+            </a:r>
+            <a:r>
+              <a:rPr lang="fr-FR" u="sng" kern="150" dirty="0">
+                <a:solidFill>
+                  <a:srgbClr val="000000"/>
+                </a:solidFill>
+                <a:latin typeface="Calibri" panose="020F0502020204030204" pitchFamily="34" charset="0"/>
+                <a:ea typeface="SimSun" panose="02010600030101010101" pitchFamily="2" charset="-122"/>
+                <a:cs typeface="Lucida Sans" panose="020B0602030504020204" pitchFamily="34" charset="0"/>
+              </a:rPr>
+              <a:t> et Brian D. Fath, 3195‑3203. Oxford: Academic </a:t>
+            </a:r>
+            <a:r>
+              <a:rPr lang="fr-FR" u="sng" kern="150" dirty="0" err="1">
+                <a:solidFill>
+                  <a:srgbClr val="000000"/>
+                </a:solidFill>
+                <a:latin typeface="Calibri" panose="020F0502020204030204" pitchFamily="34" charset="0"/>
+                <a:ea typeface="SimSun" panose="02010600030101010101" pitchFamily="2" charset="-122"/>
+                <a:cs typeface="Lucida Sans" panose="020B0602030504020204" pitchFamily="34" charset="0"/>
+              </a:rPr>
+              <a:t>Press</a:t>
+            </a:r>
+            <a:r>
+              <a:rPr lang="fr-FR" u="sng" kern="150" dirty="0">
+                <a:solidFill>
+                  <a:srgbClr val="000000"/>
+                </a:solidFill>
+                <a:latin typeface="Calibri" panose="020F0502020204030204" pitchFamily="34" charset="0"/>
+                <a:ea typeface="SimSun" panose="02010600030101010101" pitchFamily="2" charset="-122"/>
+                <a:cs typeface="Lucida Sans" panose="020B0602030504020204" pitchFamily="34" charset="0"/>
+              </a:rPr>
+              <a:t>, 2008.</a:t>
+            </a:r>
+            <a:r>
+              <a:rPr lang="fr-FR" kern="150" dirty="0">
+                <a:solidFill>
+                  <a:srgbClr val="0563C1"/>
+                </a:solidFill>
+                <a:latin typeface="Times New Roman" panose="02020603050405020304" pitchFamily="18" charset="0"/>
+                <a:ea typeface="SimSun" panose="02010600030101010101" pitchFamily="2" charset="-122"/>
+                <a:cs typeface="Lucida Sans" panose="020B0602030504020204" pitchFamily="34" charset="0"/>
+                <a:hlinkClick r:id="rId4"/>
+              </a:rPr>
+              <a:t> </a:t>
+            </a:r>
+            <a:r>
+              <a:rPr lang="fr-FR" kern="150" dirty="0">
+                <a:solidFill>
+                  <a:srgbClr val="0563C1"/>
+                </a:solidFill>
+                <a:latin typeface="Calibri" panose="020F0502020204030204" pitchFamily="34" charset="0"/>
+                <a:ea typeface="SimSun" panose="02010600030101010101" pitchFamily="2" charset="-122"/>
+                <a:cs typeface="Lucida Sans" panose="020B0602030504020204" pitchFamily="34" charset="0"/>
+                <a:hlinkClick r:id="rId4"/>
+              </a:rPr>
+              <a:t>https://doi.org/10.1016/B978-008045405-4.00696-0</a:t>
+            </a:r>
+            <a:r>
+              <a:rPr lang="fr-FR" u="sng" kern="150" dirty="0">
+                <a:solidFill>
+                  <a:srgbClr val="000000"/>
+                </a:solidFill>
+                <a:latin typeface="Calibri" panose="020F0502020204030204" pitchFamily="34" charset="0"/>
+                <a:ea typeface="SimSun" panose="02010600030101010101" pitchFamily="2" charset="-122"/>
+                <a:cs typeface="Lucida Sans" panose="020B0602030504020204" pitchFamily="34" charset="0"/>
+              </a:rPr>
+              <a:t>.</a:t>
+            </a:r>
+            <a:endParaRPr lang="fr-FR" kern="150" dirty="0">
+              <a:latin typeface="Times New Roman" panose="02020603050405020304" pitchFamily="18" charset="0"/>
+              <a:ea typeface="SimSun" panose="02010600030101010101" pitchFamily="2" charset="-122"/>
+              <a:cs typeface="Lucida Sans" panose="020B0602030504020204" pitchFamily="34" charset="0"/>
+            </a:endParaRPr>
+          </a:p>
+          <a:p>
+            <a:endParaRPr lang="fr-FR" sz="1800" u="sng" kern="150" dirty="0">
+              <a:solidFill>
+                <a:srgbClr val="000000"/>
+              </a:solidFill>
+              <a:effectLst/>
+              <a:latin typeface="Calibri" panose="020F0502020204030204" pitchFamily="34" charset="0"/>
+              <a:ea typeface="SimSun" panose="02010600030101010101" pitchFamily="2" charset="-122"/>
+              <a:cs typeface="Lucida Sans" panose="020B0602030504020204" pitchFamily="34" charset="0"/>
+            </a:endParaRPr>
+          </a:p>
+          <a:p>
             <a:endParaRPr lang="fr-FR" u="sng" kern="150" dirty="0">
               <a:solidFill>
                 <a:srgbClr val="000000"/>
@@ -10381,250 +10599,54 @@
             <a:pPr marL="0" indent="0">
               <a:buNone/>
             </a:pPr>
-            <a:r>
-              <a:rPr lang="de-DE" sz="1800" u="sng" kern="150" dirty="0">
-                <a:solidFill>
-                  <a:srgbClr val="000000"/>
-                </a:solidFill>
-                <a:effectLst/>
-                <a:latin typeface="Calibri" panose="020F0502020204030204" pitchFamily="34" charset="0"/>
-                <a:ea typeface="SimSun" panose="02010600030101010101" pitchFamily="2" charset="-122"/>
-                <a:cs typeface="Lucida Sans" panose="020B0602030504020204" pitchFamily="34" charset="0"/>
-              </a:rPr>
-              <a:t>Green, D. G., S. </a:t>
-            </a:r>
-            <a:r>
-              <a:rPr lang="de-DE" sz="1800" u="sng" kern="150" dirty="0" err="1">
-                <a:solidFill>
-                  <a:srgbClr val="000000"/>
-                </a:solidFill>
-                <a:effectLst/>
-                <a:latin typeface="Calibri" panose="020F0502020204030204" pitchFamily="34" charset="0"/>
-                <a:ea typeface="SimSun" panose="02010600030101010101" pitchFamily="2" charset="-122"/>
-                <a:cs typeface="Lucida Sans" panose="020B0602030504020204" pitchFamily="34" charset="0"/>
-              </a:rPr>
-              <a:t>Sadedin</a:t>
-            </a:r>
-            <a:r>
-              <a:rPr lang="de-DE" sz="1800" u="sng" kern="150" dirty="0">
-                <a:solidFill>
-                  <a:srgbClr val="000000"/>
-                </a:solidFill>
-                <a:effectLst/>
-                <a:latin typeface="Calibri" panose="020F0502020204030204" pitchFamily="34" charset="0"/>
-                <a:ea typeface="SimSun" panose="02010600030101010101" pitchFamily="2" charset="-122"/>
-                <a:cs typeface="Lucida Sans" panose="020B0602030504020204" pitchFamily="34" charset="0"/>
-              </a:rPr>
-              <a:t>, et T. G. </a:t>
-            </a:r>
-            <a:r>
-              <a:rPr lang="de-DE" sz="1800" u="sng" kern="150" dirty="0" err="1">
-                <a:solidFill>
-                  <a:srgbClr val="000000"/>
-                </a:solidFill>
-                <a:effectLst/>
-                <a:latin typeface="Calibri" panose="020F0502020204030204" pitchFamily="34" charset="0"/>
-                <a:ea typeface="SimSun" panose="02010600030101010101" pitchFamily="2" charset="-122"/>
-                <a:cs typeface="Lucida Sans" panose="020B0602030504020204" pitchFamily="34" charset="0"/>
-              </a:rPr>
-              <a:t>Leishman</a:t>
-            </a:r>
-            <a:r>
-              <a:rPr lang="de-DE" sz="1800" u="sng" kern="150" dirty="0">
-                <a:solidFill>
-                  <a:srgbClr val="000000"/>
-                </a:solidFill>
-                <a:effectLst/>
-                <a:latin typeface="Calibri" panose="020F0502020204030204" pitchFamily="34" charset="0"/>
-                <a:ea typeface="SimSun" panose="02010600030101010101" pitchFamily="2" charset="-122"/>
-                <a:cs typeface="Lucida Sans" panose="020B0602030504020204" pitchFamily="34" charset="0"/>
-              </a:rPr>
-              <a:t>. </a:t>
-            </a:r>
-            <a:r>
-              <a:rPr lang="fr-FR" sz="1800" u="sng" kern="150" dirty="0">
-                <a:solidFill>
-                  <a:srgbClr val="000000"/>
-                </a:solidFill>
-                <a:effectLst/>
-                <a:latin typeface="Calibri" panose="020F0502020204030204" pitchFamily="34" charset="0"/>
-                <a:ea typeface="SimSun" panose="02010600030101010101" pitchFamily="2" charset="-122"/>
-                <a:cs typeface="Lucida Sans" panose="020B0602030504020204" pitchFamily="34" charset="0"/>
-              </a:rPr>
-              <a:t>« Self-</a:t>
-            </a:r>
-            <a:r>
-              <a:rPr lang="fr-FR" sz="1800" u="sng" kern="150" dirty="0" err="1">
-                <a:solidFill>
-                  <a:srgbClr val="000000"/>
-                </a:solidFill>
-                <a:effectLst/>
-                <a:latin typeface="Calibri" panose="020F0502020204030204" pitchFamily="34" charset="0"/>
-                <a:ea typeface="SimSun" panose="02010600030101010101" pitchFamily="2" charset="-122"/>
-                <a:cs typeface="Lucida Sans" panose="020B0602030504020204" pitchFamily="34" charset="0"/>
-              </a:rPr>
-              <a:t>Organization</a:t>
-            </a:r>
-            <a:r>
-              <a:rPr lang="fr-FR" sz="1800" u="sng" kern="150" dirty="0">
-                <a:solidFill>
-                  <a:srgbClr val="000000"/>
-                </a:solidFill>
-                <a:effectLst/>
-                <a:latin typeface="Calibri" panose="020F0502020204030204" pitchFamily="34" charset="0"/>
-                <a:ea typeface="SimSun" panose="02010600030101010101" pitchFamily="2" charset="-122"/>
-                <a:cs typeface="Lucida Sans" panose="020B0602030504020204" pitchFamily="34" charset="0"/>
-              </a:rPr>
-              <a:t> ». In </a:t>
-            </a:r>
-            <a:r>
-              <a:rPr lang="fr-FR" sz="1800" i="1" u="sng" kern="150" dirty="0" err="1">
-                <a:solidFill>
-                  <a:srgbClr val="000000"/>
-                </a:solidFill>
-                <a:effectLst/>
-                <a:latin typeface="Calibri" panose="020F0502020204030204" pitchFamily="34" charset="0"/>
-                <a:ea typeface="SimSun" panose="02010600030101010101" pitchFamily="2" charset="-122"/>
-                <a:cs typeface="Lucida Sans" panose="020B0602030504020204" pitchFamily="34" charset="0"/>
-              </a:rPr>
-              <a:t>Encyclopedia</a:t>
-            </a:r>
-            <a:r>
-              <a:rPr lang="fr-FR" sz="1800" i="1" u="sng" kern="150" dirty="0">
-                <a:solidFill>
-                  <a:srgbClr val="000000"/>
-                </a:solidFill>
-                <a:effectLst/>
-                <a:latin typeface="Calibri" panose="020F0502020204030204" pitchFamily="34" charset="0"/>
-                <a:ea typeface="SimSun" panose="02010600030101010101" pitchFamily="2" charset="-122"/>
-                <a:cs typeface="Lucida Sans" panose="020B0602030504020204" pitchFamily="34" charset="0"/>
-              </a:rPr>
-              <a:t> of </a:t>
-            </a:r>
-            <a:r>
-              <a:rPr lang="fr-FR" sz="1800" i="1" u="sng" kern="150" dirty="0" err="1">
-                <a:solidFill>
-                  <a:srgbClr val="000000"/>
-                </a:solidFill>
-                <a:effectLst/>
-                <a:latin typeface="Calibri" panose="020F0502020204030204" pitchFamily="34" charset="0"/>
-                <a:ea typeface="SimSun" panose="02010600030101010101" pitchFamily="2" charset="-122"/>
-                <a:cs typeface="Lucida Sans" panose="020B0602030504020204" pitchFamily="34" charset="0"/>
-              </a:rPr>
-              <a:t>Ecology</a:t>
-            </a:r>
-            <a:r>
-              <a:rPr lang="fr-FR" sz="1800" u="sng" kern="150" dirty="0">
-                <a:solidFill>
-                  <a:srgbClr val="000000"/>
-                </a:solidFill>
-                <a:effectLst/>
-                <a:latin typeface="Calibri" panose="020F0502020204030204" pitchFamily="34" charset="0"/>
-                <a:ea typeface="SimSun" panose="02010600030101010101" pitchFamily="2" charset="-122"/>
-                <a:cs typeface="Lucida Sans" panose="020B0602030504020204" pitchFamily="34" charset="0"/>
-              </a:rPr>
-              <a:t>, édité par Sven Erik </a:t>
-            </a:r>
-            <a:r>
-              <a:rPr lang="fr-FR" sz="1800" u="sng" kern="150" dirty="0" err="1">
-                <a:solidFill>
-                  <a:srgbClr val="000000"/>
-                </a:solidFill>
-                <a:effectLst/>
-                <a:latin typeface="Calibri" panose="020F0502020204030204" pitchFamily="34" charset="0"/>
-                <a:ea typeface="SimSun" panose="02010600030101010101" pitchFamily="2" charset="-122"/>
-                <a:cs typeface="Lucida Sans" panose="020B0602030504020204" pitchFamily="34" charset="0"/>
-              </a:rPr>
-              <a:t>Jørgensen</a:t>
-            </a:r>
-            <a:r>
-              <a:rPr lang="fr-FR" sz="1800" u="sng" kern="150" dirty="0">
-                <a:solidFill>
-                  <a:srgbClr val="000000"/>
-                </a:solidFill>
-                <a:effectLst/>
-                <a:latin typeface="Calibri" panose="020F0502020204030204" pitchFamily="34" charset="0"/>
-                <a:ea typeface="SimSun" panose="02010600030101010101" pitchFamily="2" charset="-122"/>
-                <a:cs typeface="Lucida Sans" panose="020B0602030504020204" pitchFamily="34" charset="0"/>
-              </a:rPr>
-              <a:t> et Brian D. Fath, 3195‑3203. Oxford: Academic </a:t>
-            </a:r>
-            <a:r>
-              <a:rPr lang="fr-FR" sz="1800" u="sng" kern="150" dirty="0" err="1">
-                <a:solidFill>
-                  <a:srgbClr val="000000"/>
-                </a:solidFill>
-                <a:effectLst/>
-                <a:latin typeface="Calibri" panose="020F0502020204030204" pitchFamily="34" charset="0"/>
-                <a:ea typeface="SimSun" panose="02010600030101010101" pitchFamily="2" charset="-122"/>
-                <a:cs typeface="Lucida Sans" panose="020B0602030504020204" pitchFamily="34" charset="0"/>
-              </a:rPr>
-              <a:t>Press</a:t>
-            </a:r>
-            <a:r>
-              <a:rPr lang="fr-FR" sz="1800" u="sng" kern="150" dirty="0">
-                <a:solidFill>
-                  <a:srgbClr val="000000"/>
-                </a:solidFill>
-                <a:effectLst/>
-                <a:latin typeface="Calibri" panose="020F0502020204030204" pitchFamily="34" charset="0"/>
-                <a:ea typeface="SimSun" panose="02010600030101010101" pitchFamily="2" charset="-122"/>
-                <a:cs typeface="Lucida Sans" panose="020B0602030504020204" pitchFamily="34" charset="0"/>
-              </a:rPr>
-              <a:t>, 2008.</a:t>
-            </a:r>
-            <a:r>
-              <a:rPr lang="fr-FR" sz="1800" u="none" strike="noStrike" kern="150" dirty="0">
-                <a:solidFill>
-                  <a:srgbClr val="0563C1"/>
-                </a:solidFill>
-                <a:effectLst/>
-                <a:latin typeface="Times New Roman" panose="02020603050405020304" pitchFamily="18" charset="0"/>
-                <a:ea typeface="SimSun" panose="02010600030101010101" pitchFamily="2" charset="-122"/>
-                <a:cs typeface="Lucida Sans" panose="020B0602030504020204" pitchFamily="34" charset="0"/>
-                <a:hlinkClick r:id="rId4"/>
-              </a:rPr>
-              <a:t> </a:t>
-            </a:r>
-            <a:r>
-              <a:rPr lang="fr-FR" sz="1800" u="none" strike="noStrike" kern="150" dirty="0">
-                <a:solidFill>
-                  <a:srgbClr val="0563C1"/>
-                </a:solidFill>
-                <a:effectLst/>
-                <a:latin typeface="Calibri" panose="020F0502020204030204" pitchFamily="34" charset="0"/>
-                <a:ea typeface="SimSun" panose="02010600030101010101" pitchFamily="2" charset="-122"/>
-                <a:cs typeface="Lucida Sans" panose="020B0602030504020204" pitchFamily="34" charset="0"/>
-                <a:hlinkClick r:id="rId4"/>
-              </a:rPr>
-              <a:t>https://doi.org/10.1016/B978-008045405-4.00696-0</a:t>
-            </a:r>
-            <a:r>
-              <a:rPr lang="fr-FR" sz="1800" u="sng" kern="150" dirty="0">
-                <a:solidFill>
-                  <a:srgbClr val="000000"/>
-                </a:solidFill>
-                <a:effectLst/>
-                <a:latin typeface="Calibri" panose="020F0502020204030204" pitchFamily="34" charset="0"/>
-                <a:ea typeface="SimSun" panose="02010600030101010101" pitchFamily="2" charset="-122"/>
-                <a:cs typeface="Lucida Sans" panose="020B0602030504020204" pitchFamily="34" charset="0"/>
-              </a:rPr>
-              <a:t>.</a:t>
-            </a:r>
-            <a:endParaRPr lang="fr-FR" sz="1800" kern="150" dirty="0">
-              <a:effectLst/>
+            <a:endParaRPr lang="fr-FR" kern="150" dirty="0">
               <a:latin typeface="Times New Roman" panose="02020603050405020304" pitchFamily="18" charset="0"/>
               <a:ea typeface="SimSun" panose="02010600030101010101" pitchFamily="2" charset="-122"/>
               <a:cs typeface="Lucida Sans" panose="020B0602030504020204" pitchFamily="34" charset="0"/>
             </a:endParaRPr>
           </a:p>
           <a:p>
+            <a:endParaRPr lang="fr-FR" sz="1800" u="sng" kern="150" dirty="0">
+              <a:solidFill>
+                <a:srgbClr val="000000"/>
+              </a:solidFill>
+              <a:effectLst/>
+              <a:latin typeface="Calibri" panose="020F0502020204030204" pitchFamily="34" charset="0"/>
+              <a:ea typeface="SimSun" panose="02010600030101010101" pitchFamily="2" charset="-122"/>
+              <a:cs typeface="Lucida Sans" panose="020B0602030504020204" pitchFamily="34" charset="0"/>
+            </a:endParaRPr>
+          </a:p>
+          <a:p>
+            <a:endParaRPr lang="fr-FR" sz="1800" u="sng" kern="150" dirty="0">
+              <a:solidFill>
+                <a:srgbClr val="000000"/>
+              </a:solidFill>
+              <a:effectLst/>
+              <a:latin typeface="Calibri" panose="020F0502020204030204" pitchFamily="34" charset="0"/>
+              <a:ea typeface="SimSun" panose="02010600030101010101" pitchFamily="2" charset="-122"/>
+              <a:cs typeface="Lucida Sans" panose="020B0602030504020204" pitchFamily="34" charset="0"/>
+            </a:endParaRPr>
+          </a:p>
+          <a:p>
+            <a:endParaRPr lang="fr-FR" sz="1800" u="sng" kern="150" dirty="0">
+              <a:solidFill>
+                <a:srgbClr val="000000"/>
+              </a:solidFill>
+              <a:effectLst/>
+              <a:latin typeface="Calibri" panose="020F0502020204030204" pitchFamily="34" charset="0"/>
+              <a:ea typeface="SimSun" panose="02010600030101010101" pitchFamily="2" charset="-122"/>
+              <a:cs typeface="Lucida Sans" panose="020B0602030504020204" pitchFamily="34" charset="0"/>
+            </a:endParaRPr>
+          </a:p>
+          <a:p>
             <a:pPr marL="0" indent="0">
               <a:buNone/>
             </a:pPr>
-            <a:endParaRPr lang="fr-FR" sz="1800" kern="150" dirty="0">
-              <a:effectLst/>
-              <a:latin typeface="Times New Roman" panose="02020603050405020304" pitchFamily="18" charset="0"/>
+            <a:endParaRPr lang="fr-FR" u="sng" kern="150" dirty="0">
+              <a:solidFill>
+                <a:srgbClr val="000000"/>
+              </a:solidFill>
+              <a:latin typeface="Calibri" panose="020F0502020204030204" pitchFamily="34" charset="0"/>
               <a:ea typeface="SimSun" panose="02010600030101010101" pitchFamily="2" charset="-122"/>
               <a:cs typeface="Lucida Sans" panose="020B0602030504020204" pitchFamily="34" charset="0"/>
             </a:endParaRPr>
